--- a/02_introduction_to_python_part_ii/slides.pptx
+++ b/02_introduction_to_python_part_ii/slides.pptx
@@ -208,7 +208,7 @@
           <a:p>
             <a:fld id="{FE1BA87C-04DC-4E4F-8A0F-F4C0AE996CF7}" type="datetimeFigureOut">
               <a:rPr lang="en-US" smtClean="0"/>
-              <a:t>8/25/19</a:t>
+              <a:t>8/29/19</a:t>
             </a:fld>
             <a:endParaRPr lang="en-US"/>
           </a:p>
@@ -858,7 +858,7 @@
           <a:p>
             <a:fld id="{C764DE79-268F-4C1A-8933-263129D2AF90}" type="datetimeFigureOut">
               <a:rPr lang="en-US" dirty="0"/>
-              <a:t>8/25/19</a:t>
+              <a:t>8/29/19</a:t>
             </a:fld>
             <a:endParaRPr lang="en-US" dirty="0"/>
           </a:p>
@@ -1036,7 +1036,7 @@
           <a:p>
             <a:fld id="{A9473904-39EC-F544-B9DC-0F99F641AF46}" type="datetimeFigureOut">
               <a:rPr lang="en-US" smtClean="0"/>
-              <a:t>8/25/19</a:t>
+              <a:t>8/29/19</a:t>
             </a:fld>
             <a:endParaRPr lang="en-US"/>
           </a:p>
@@ -1224,7 +1224,7 @@
           <a:p>
             <a:fld id="{A9473904-39EC-F544-B9DC-0F99F641AF46}" type="datetimeFigureOut">
               <a:rPr lang="en-US" smtClean="0"/>
-              <a:t>8/25/19</a:t>
+              <a:t>8/29/19</a:t>
             </a:fld>
             <a:endParaRPr lang="en-US"/>
           </a:p>
@@ -1530,7 +1530,7 @@
           <a:p>
             <a:fld id="{A9473904-39EC-F544-B9DC-0F99F641AF46}" type="datetimeFigureOut">
               <a:rPr lang="en-US" smtClean="0"/>
-              <a:t>8/25/19</a:t>
+              <a:t>8/29/19</a:t>
             </a:fld>
             <a:endParaRPr lang="en-US"/>
           </a:p>
@@ -1782,7 +1782,7 @@
           <a:p>
             <a:fld id="{A9473904-39EC-F544-B9DC-0F99F641AF46}" type="datetimeFigureOut">
               <a:rPr lang="en-US" smtClean="0"/>
-              <a:t>8/25/19</a:t>
+              <a:t>8/29/19</a:t>
             </a:fld>
             <a:endParaRPr lang="en-US"/>
           </a:p>
@@ -2022,7 +2022,7 @@
           <a:p>
             <a:fld id="{A9473904-39EC-F544-B9DC-0F99F641AF46}" type="datetimeFigureOut">
               <a:rPr lang="en-US" smtClean="0"/>
-              <a:t>8/25/19</a:t>
+              <a:t>8/29/19</a:t>
             </a:fld>
             <a:endParaRPr lang="en-US"/>
           </a:p>
@@ -2397,7 +2397,7 @@
           <a:p>
             <a:fld id="{A9473904-39EC-F544-B9DC-0F99F641AF46}" type="datetimeFigureOut">
               <a:rPr lang="en-US" smtClean="0"/>
-              <a:t>8/25/19</a:t>
+              <a:t>8/29/19</a:t>
             </a:fld>
             <a:endParaRPr lang="en-US"/>
           </a:p>
@@ -2523,7 +2523,7 @@
           <a:p>
             <a:fld id="{A9473904-39EC-F544-B9DC-0F99F641AF46}" type="datetimeFigureOut">
               <a:rPr lang="en-US" smtClean="0"/>
-              <a:t>8/25/19</a:t>
+              <a:t>8/29/19</a:t>
             </a:fld>
             <a:endParaRPr lang="en-US"/>
           </a:p>
@@ -2626,7 +2626,7 @@
           <a:p>
             <a:fld id="{A9473904-39EC-F544-B9DC-0F99F641AF46}" type="datetimeFigureOut">
               <a:rPr lang="en-US" smtClean="0"/>
-              <a:t>8/25/19</a:t>
+              <a:t>8/29/19</a:t>
             </a:fld>
             <a:endParaRPr lang="en-US"/>
           </a:p>
@@ -2911,7 +2911,7 @@
           <a:p>
             <a:fld id="{A9473904-39EC-F544-B9DC-0F99F641AF46}" type="datetimeFigureOut">
               <a:rPr lang="en-US" smtClean="0"/>
-              <a:t>8/25/19</a:t>
+              <a:t>8/29/19</a:t>
             </a:fld>
             <a:endParaRPr lang="en-US"/>
           </a:p>
@@ -3176,7 +3176,7 @@
           <a:p>
             <a:fld id="{A9473904-39EC-F544-B9DC-0F99F641AF46}" type="datetimeFigureOut">
               <a:rPr lang="en-US" smtClean="0"/>
-              <a:t>8/25/19</a:t>
+              <a:t>8/29/19</a:t>
             </a:fld>
             <a:endParaRPr lang="en-US"/>
           </a:p>
@@ -3395,7 +3395,7 @@
           <a:p>
             <a:fld id="{A9473904-39EC-F544-B9DC-0F99F641AF46}" type="datetimeFigureOut">
               <a:rPr lang="en-US" smtClean="0"/>
-              <a:t>8/25/19</a:t>
+              <a:t>8/29/19</a:t>
             </a:fld>
             <a:endParaRPr lang="en-US"/>
           </a:p>
@@ -7845,7 +7845,7 @@
                 <a:latin typeface="Courier New" panose="02070309020205020404" pitchFamily="49" charset="0"/>
                 <a:cs typeface="Courier New" panose="02070309020205020404" pitchFamily="49" charset="0"/>
               </a:rPr>
-              <a:t>&gt;&gt;&gt;a = [1, 2, 3, 4]</a:t>
+              <a:t>&gt;&gt;&gt;a = [1, 2, 3]</a:t>
             </a:r>
           </a:p>
           <a:p>
@@ -8165,8 +8165,19 @@
                 <a:latin typeface="Courier New" panose="02070309020205020404" pitchFamily="49" charset="0"/>
                 <a:cs typeface="Courier New" panose="02070309020205020404" pitchFamily="49" charset="0"/>
               </a:rPr>
-              <a:t>		print("n ="+n)</a:t>
-            </a:r>
+              <a:t>		print("n </a:t>
+            </a:r>
+            <a:r>
+              <a:rPr lang="en-US">
+                <a:latin typeface="Courier New" panose="02070309020205020404" pitchFamily="49" charset="0"/>
+                <a:cs typeface="Courier New" panose="02070309020205020404" pitchFamily="49" charset="0"/>
+              </a:rPr>
+              <a:t>="+str(n))</a:t>
+            </a:r>
+            <a:endParaRPr lang="en-US" dirty="0">
+              <a:latin typeface="Courier New" panose="02070309020205020404" pitchFamily="49" charset="0"/>
+              <a:cs typeface="Courier New" panose="02070309020205020404" pitchFamily="49" charset="0"/>
+            </a:endParaRPr>
           </a:p>
           <a:p>
             <a:endParaRPr lang="en-US" dirty="0">

--- a/02_introduction_to_python_part_ii/slides.pptx
+++ b/02_introduction_to_python_part_ii/slides.pptx
@@ -5816,12 +5816,16 @@
           </a:p>
           <a:p>
             <a:r>
-              <a:rPr lang="en-US" sz="1400" dirty="0">
-                <a:latin typeface="Courier New" panose="02070309020205020404" pitchFamily="49" charset="0"/>
-                <a:cs typeface="Courier New" panose="02070309020205020404" pitchFamily="49" charset="0"/>
-              </a:rPr>
-              <a:t>'value’</a:t>
-            </a:r>
+              <a:rPr lang="en-US" sz="1400">
+                <a:latin typeface="Courier New" panose="02070309020205020404" pitchFamily="49" charset="0"/>
+                <a:cs typeface="Courier New" panose="02070309020205020404" pitchFamily="49" charset="0"/>
+              </a:rPr>
+              <a:t>'value1’</a:t>
+            </a:r>
+            <a:endParaRPr lang="en-US" sz="1400" dirty="0">
+              <a:latin typeface="Courier New" panose="02070309020205020404" pitchFamily="49" charset="0"/>
+              <a:cs typeface="Courier New" panose="02070309020205020404" pitchFamily="49" charset="0"/>
+            </a:endParaRPr>
           </a:p>
           <a:p>
             <a:endParaRPr lang="en-US" sz="1400" dirty="0">
